--- a/presentation.pptx
+++ b/presentation.pptx
@@ -275,7 +275,7 @@
           <a:p>
             <a:fld id="{8E2A7909-0F62-4DDE-B374-6D46A0734B97}" type="datetimeFigureOut">
               <a:rPr lang="en-US" smtClean="0"/>
-              <a:t>10/22/2018</a:t>
+              <a:t>10/26/2018</a:t>
             </a:fld>
             <a:endParaRPr lang="en-US"/>
           </a:p>
@@ -445,7 +445,7 @@
           <a:p>
             <a:fld id="{8E2A7909-0F62-4DDE-B374-6D46A0734B97}" type="datetimeFigureOut">
               <a:rPr lang="en-US" smtClean="0"/>
-              <a:t>10/22/2018</a:t>
+              <a:t>10/26/2018</a:t>
             </a:fld>
             <a:endParaRPr lang="en-US"/>
           </a:p>
@@ -625,7 +625,7 @@
           <a:p>
             <a:fld id="{8E2A7909-0F62-4DDE-B374-6D46A0734B97}" type="datetimeFigureOut">
               <a:rPr lang="en-US" smtClean="0"/>
-              <a:t>10/22/2018</a:t>
+              <a:t>10/26/2018</a:t>
             </a:fld>
             <a:endParaRPr lang="en-US"/>
           </a:p>
@@ -795,7 +795,7 @@
           <a:p>
             <a:fld id="{8E2A7909-0F62-4DDE-B374-6D46A0734B97}" type="datetimeFigureOut">
               <a:rPr lang="en-US" smtClean="0"/>
-              <a:t>10/22/2018</a:t>
+              <a:t>10/26/2018</a:t>
             </a:fld>
             <a:endParaRPr lang="en-US"/>
           </a:p>
@@ -1041,7 +1041,7 @@
           <a:p>
             <a:fld id="{8E2A7909-0F62-4DDE-B374-6D46A0734B97}" type="datetimeFigureOut">
               <a:rPr lang="en-US" smtClean="0"/>
-              <a:t>10/22/2018</a:t>
+              <a:t>10/26/2018</a:t>
             </a:fld>
             <a:endParaRPr lang="en-US"/>
           </a:p>
@@ -1273,7 +1273,7 @@
           <a:p>
             <a:fld id="{8E2A7909-0F62-4DDE-B374-6D46A0734B97}" type="datetimeFigureOut">
               <a:rPr lang="en-US" smtClean="0"/>
-              <a:t>10/22/2018</a:t>
+              <a:t>10/26/2018</a:t>
             </a:fld>
             <a:endParaRPr lang="en-US"/>
           </a:p>
@@ -1640,7 +1640,7 @@
           <a:p>
             <a:fld id="{8E2A7909-0F62-4DDE-B374-6D46A0734B97}" type="datetimeFigureOut">
               <a:rPr lang="en-US" smtClean="0"/>
-              <a:t>10/22/2018</a:t>
+              <a:t>10/26/2018</a:t>
             </a:fld>
             <a:endParaRPr lang="en-US"/>
           </a:p>
@@ -1758,7 +1758,7 @@
           <a:p>
             <a:fld id="{8E2A7909-0F62-4DDE-B374-6D46A0734B97}" type="datetimeFigureOut">
               <a:rPr lang="en-US" smtClean="0"/>
-              <a:t>10/22/2018</a:t>
+              <a:t>10/26/2018</a:t>
             </a:fld>
             <a:endParaRPr lang="en-US"/>
           </a:p>
@@ -1853,7 +1853,7 @@
           <a:p>
             <a:fld id="{8E2A7909-0F62-4DDE-B374-6D46A0734B97}" type="datetimeFigureOut">
               <a:rPr lang="en-US" smtClean="0"/>
-              <a:t>10/22/2018</a:t>
+              <a:t>10/26/2018</a:t>
             </a:fld>
             <a:endParaRPr lang="en-US"/>
           </a:p>
@@ -2130,7 +2130,7 @@
           <a:p>
             <a:fld id="{8E2A7909-0F62-4DDE-B374-6D46A0734B97}" type="datetimeFigureOut">
               <a:rPr lang="en-US" smtClean="0"/>
-              <a:t>10/22/2018</a:t>
+              <a:t>10/26/2018</a:t>
             </a:fld>
             <a:endParaRPr lang="en-US"/>
           </a:p>
@@ -2383,7 +2383,7 @@
           <a:p>
             <a:fld id="{8E2A7909-0F62-4DDE-B374-6D46A0734B97}" type="datetimeFigureOut">
               <a:rPr lang="en-US" smtClean="0"/>
-              <a:t>10/22/2018</a:t>
+              <a:t>10/26/2018</a:t>
             </a:fld>
             <a:endParaRPr lang="en-US"/>
           </a:p>
@@ -2606,7 +2606,7 @@
           <a:p>
             <a:fld id="{8E2A7909-0F62-4DDE-B374-6D46A0734B97}" type="datetimeFigureOut">
               <a:rPr lang="en-US" smtClean="0"/>
-              <a:t>10/22/2018</a:t>
+              <a:t>10/26/2018</a:t>
             </a:fld>
             <a:endParaRPr lang="en-US"/>
           </a:p>
@@ -3021,7 +3021,12 @@
             <p:ph type="ctrTitle"/>
           </p:nvPr>
         </p:nvSpPr>
-        <p:spPr/>
+        <p:spPr>
+          <a:xfrm>
+            <a:off x="1524000" y="537147"/>
+            <a:ext cx="9144000" cy="2387600"/>
+          </a:xfrm>
+        </p:spPr>
         <p:txBody>
           <a:bodyPr/>
           <a:lstStyle/>
@@ -3070,7 +3075,7 @@
         </p:nvSpPr>
         <p:spPr>
           <a:xfrm>
-            <a:off x="984741" y="3602038"/>
+            <a:off x="984741" y="3016822"/>
             <a:ext cx="10018007" cy="1814024"/>
           </a:xfrm>
         </p:spPr>
@@ -3114,8 +3119,28 @@
                 <a:latin typeface="Arial" panose="020B0604020202020204" pitchFamily="34" charset="0"/>
                 <a:cs typeface="Arial" panose="020B0604020202020204" pitchFamily="34" charset="0"/>
               </a:rPr>
-              <a:t>Machine Learning to Predict Election Outcomes</a:t>
-            </a:r>
+              <a:t>Machine Learning to Predict </a:t>
+            </a:r>
+            <a:r>
+              <a:rPr lang="en-US" sz="2800" b="1" dirty="0" smtClean="0">
+                <a:solidFill>
+                  <a:srgbClr val="2C4E8C"/>
+                </a:solidFill>
+                <a:effectLst>
+                  <a:outerShdw blurRad="50800" dist="38100" dir="5400000" algn="t" rotWithShape="0">
+                    <a:schemeClr val="bg2">
+                      <a:lumMod val="50000"/>
+                      <a:alpha val="40000"/>
+                    </a:schemeClr>
+                  </a:outerShdw>
+                </a:effectLst>
+                <a:latin typeface="Arial" panose="020B0604020202020204" pitchFamily="34" charset="0"/>
+                <a:cs typeface="Arial" panose="020B0604020202020204" pitchFamily="34" charset="0"/>
+              </a:rPr>
+              <a:t>Elections</a:t>
+            </a:r>
+          </a:p>
+          <a:p>
             <a:endParaRPr lang="en-US" sz="2800" b="1" dirty="0">
               <a:solidFill>
                 <a:srgbClr val="2C4E8C"/>
@@ -6178,41 +6203,8 @@
                 <a:latin typeface="Arial" panose="020B0604020202020204" pitchFamily="34" charset="0"/>
                 <a:cs typeface="Arial" panose="020B0604020202020204" pitchFamily="34" charset="0"/>
               </a:rPr>
-              <a:t>Regression: How many votes did the candidate receive? How many did the winner of this race get</a:t>
-            </a:r>
-            <a:r>
-              <a:rPr lang="en-US" b="1" dirty="0" smtClean="0">
-                <a:solidFill>
-                  <a:srgbClr val="2C4E8C"/>
-                </a:solidFill>
-                <a:effectLst>
-                  <a:outerShdw blurRad="50800" dist="38100" dir="5400000" algn="t" rotWithShape="0">
-                    <a:schemeClr val="bg2">
-                      <a:lumMod val="50000"/>
-                      <a:alpha val="40000"/>
-                    </a:schemeClr>
-                  </a:outerShdw>
-                </a:effectLst>
-                <a:latin typeface="Arial" panose="020B0604020202020204" pitchFamily="34" charset="0"/>
-                <a:cs typeface="Arial" panose="020B0604020202020204" pitchFamily="34" charset="0"/>
-              </a:rPr>
-              <a:t>?</a:t>
-            </a:r>
-            <a:endParaRPr lang="en-US" b="1" dirty="0" smtClean="0">
-              <a:solidFill>
-                <a:srgbClr val="2C4E8C"/>
-              </a:solidFill>
-              <a:effectLst>
-                <a:outerShdw blurRad="50800" dist="38100" dir="5400000" algn="t" rotWithShape="0">
-                  <a:schemeClr val="bg2">
-                    <a:lumMod val="50000"/>
-                    <a:alpha val="40000"/>
-                  </a:schemeClr>
-                </a:outerShdw>
-              </a:effectLst>
-              <a:latin typeface="Arial" panose="020B0604020202020204" pitchFamily="34" charset="0"/>
-              <a:cs typeface="Arial" panose="020B0604020202020204" pitchFamily="34" charset="0"/>
-            </a:endParaRPr>
+              <a:t>Regression: How many votes did the candidate receive? How many did the winner of this race get?</a:t>
+            </a:r>
           </a:p>
         </p:txBody>
       </p:sp>
@@ -6834,25 +6826,7 @@
                 <a:latin typeface="Arial" panose="020B0604020202020204" pitchFamily="34" charset="0"/>
                 <a:cs typeface="Arial" panose="020B0604020202020204" pitchFamily="34" charset="0"/>
               </a:rPr>
-              <a:t>be adapted to make election </a:t>
-            </a:r>
-            <a:r>
-              <a:rPr lang="en-US" b="1" dirty="0" smtClean="0">
-                <a:solidFill>
-                  <a:srgbClr val="2C4E8C"/>
-                </a:solidFill>
-                <a:effectLst>
-                  <a:outerShdw blurRad="50800" dist="38100" dir="5400000" algn="t" rotWithShape="0">
-                    <a:schemeClr val="bg2">
-                      <a:lumMod val="50000"/>
-                      <a:alpha val="40000"/>
-                    </a:schemeClr>
-                  </a:outerShdw>
-                </a:effectLst>
-                <a:latin typeface="Arial" panose="020B0604020202020204" pitchFamily="34" charset="0"/>
-                <a:cs typeface="Arial" panose="020B0604020202020204" pitchFamily="34" charset="0"/>
-              </a:rPr>
-              <a:t>predictions?</a:t>
+              <a:t>be adapted to make election predictions?</a:t>
             </a:r>
             <a:endParaRPr lang="en-US" b="1" dirty="0">
               <a:solidFill>
@@ -7316,25 +7290,7 @@
                 <a:latin typeface="Arial" panose="020B0604020202020204" pitchFamily="34" charset="0"/>
                 <a:cs typeface="Arial" panose="020B0604020202020204" pitchFamily="34" charset="0"/>
               </a:rPr>
-              <a:t>Theoretical </a:t>
-            </a:r>
-            <a:r>
-              <a:rPr lang="en-US" b="1" dirty="0" smtClean="0">
-                <a:solidFill>
-                  <a:srgbClr val="2C4E8C"/>
-                </a:solidFill>
-                <a:effectLst>
-                  <a:outerShdw blurRad="50800" dist="38100" dir="5400000" algn="t" rotWithShape="0">
-                    <a:schemeClr val="bg2">
-                      <a:lumMod val="50000"/>
-                      <a:alpha val="40000"/>
-                    </a:schemeClr>
-                  </a:outerShdw>
-                </a:effectLst>
-                <a:latin typeface="Arial" panose="020B0604020202020204" pitchFamily="34" charset="0"/>
-                <a:cs typeface="Arial" panose="020B0604020202020204" pitchFamily="34" charset="0"/>
-              </a:rPr>
-              <a:t>Fit (How well </a:t>
+              <a:t>Theoretical Fit (How well </a:t>
             </a:r>
             <a:r>
               <a:rPr lang="en-US" b="1" i="1" dirty="0" smtClean="0">
@@ -7588,23 +7544,7 @@
                 </a:effectLst>
                 <a:latin typeface="Arial Black" panose="020B0A04020102020204" pitchFamily="34" charset="0"/>
               </a:rPr>
-              <a:t>Modeling </a:t>
-            </a:r>
-            <a:r>
-              <a:rPr lang="en-US" sz="4800" b="1" dirty="0" smtClean="0">
-                <a:solidFill>
-                  <a:srgbClr val="C00000"/>
-                </a:solidFill>
-                <a:effectLst>
-                  <a:outerShdw blurRad="50800" dist="38100" dir="5400000" algn="t" rotWithShape="0">
-                    <a:prstClr val="black">
-                      <a:alpha val="40000"/>
-                    </a:prstClr>
-                  </a:outerShdw>
-                </a:effectLst>
-                <a:latin typeface="Arial Black" panose="020B0A04020102020204" pitchFamily="34" charset="0"/>
-              </a:rPr>
-              <a:t>Process: Key Metric</a:t>
+              <a:t>Modeling Process: Key Metric</a:t>
             </a:r>
             <a:endParaRPr lang="en-US" sz="4800" b="1" dirty="0">
               <a:solidFill>
@@ -7986,25 +7926,7 @@
                 <a:latin typeface="Arial" panose="020B0604020202020204" pitchFamily="34" charset="0"/>
                 <a:cs typeface="Arial" panose="020B0604020202020204" pitchFamily="34" charset="0"/>
               </a:rPr>
-              <a:t>Compare importance of </a:t>
-            </a:r>
-            <a:r>
-              <a:rPr lang="en-US" sz="2000" b="1" dirty="0" smtClean="0">
-                <a:solidFill>
-                  <a:srgbClr val="2C4E8C"/>
-                </a:solidFill>
-                <a:effectLst>
-                  <a:outerShdw blurRad="50800" dist="38100" dir="5400000" algn="t" rotWithShape="0">
-                    <a:schemeClr val="bg2">
-                      <a:lumMod val="50000"/>
-                      <a:alpha val="40000"/>
-                    </a:schemeClr>
-                  </a:outerShdw>
-                </a:effectLst>
-                <a:latin typeface="Arial" panose="020B0604020202020204" pitchFamily="34" charset="0"/>
-                <a:cs typeface="Arial" panose="020B0604020202020204" pitchFamily="34" charset="0"/>
-              </a:rPr>
-              <a:t>variables</a:t>
+              <a:t>Compare importance of variables</a:t>
             </a:r>
           </a:p>
           <a:p>
@@ -8102,25 +8024,7 @@
                 <a:latin typeface="Arial" panose="020B0604020202020204" pitchFamily="34" charset="0"/>
                 <a:cs typeface="Arial" panose="020B0604020202020204" pitchFamily="34" charset="0"/>
               </a:rPr>
-              <a:t>Lack of </a:t>
-            </a:r>
-            <a:r>
-              <a:rPr lang="en-US" sz="2000" b="1" dirty="0" smtClean="0">
-                <a:solidFill>
-                  <a:srgbClr val="2C4E8C"/>
-                </a:solidFill>
-                <a:effectLst>
-                  <a:outerShdw blurRad="50800" dist="38100" dir="5400000" algn="t" rotWithShape="0">
-                    <a:schemeClr val="bg2">
-                      <a:lumMod val="50000"/>
-                      <a:alpha val="40000"/>
-                    </a:schemeClr>
-                  </a:outerShdw>
-                </a:effectLst>
-                <a:latin typeface="Arial" panose="020B0604020202020204" pitchFamily="34" charset="0"/>
-                <a:cs typeface="Arial" panose="020B0604020202020204" pitchFamily="34" charset="0"/>
-              </a:rPr>
-              <a:t>flexibility</a:t>
+              <a:t>Lack of flexibility</a:t>
             </a:r>
           </a:p>
           <a:p>
@@ -9887,21 +9791,6 @@
               </a:rPr>
               <a:t>     --Elite Data Science</a:t>
             </a:r>
-            <a:endParaRPr lang="en-US" sz="2400" b="1" dirty="0" smtClean="0">
-              <a:solidFill>
-                <a:srgbClr val="2C4E8C"/>
-              </a:solidFill>
-              <a:effectLst>
-                <a:outerShdw blurRad="50800" dist="38100" dir="5400000" algn="t" rotWithShape="0">
-                  <a:schemeClr val="bg2">
-                    <a:lumMod val="50000"/>
-                    <a:alpha val="40000"/>
-                  </a:schemeClr>
-                </a:outerShdw>
-              </a:effectLst>
-              <a:latin typeface="Arial" panose="020B0604020202020204" pitchFamily="34" charset="0"/>
-              <a:cs typeface="Arial" panose="020B0604020202020204" pitchFamily="34" charset="0"/>
-            </a:endParaRPr>
           </a:p>
           <a:p>
             <a:pPr marL="0" indent="0">
@@ -10955,14 +10844,7 @@
                           <a:latin typeface="+mn-lt"/>
                           <a:cs typeface="Arial" panose="020B0604020202020204" pitchFamily="34" charset="0"/>
                         </a:rPr>
-                        <a:t>.</a:t>
-                      </a:r>
-                      <a:r>
-                        <a:rPr lang="en-US" sz="1800" dirty="0" smtClean="0">
-                          <a:latin typeface="+mn-lt"/>
-                          <a:cs typeface="Arial" panose="020B0604020202020204" pitchFamily="34" charset="0"/>
-                        </a:rPr>
-                        <a:t>85</a:t>
+                        <a:t>.85</a:t>
                       </a:r>
                       <a:endParaRPr lang="en-US" sz="1800" dirty="0">
                         <a:latin typeface="+mn-lt"/>
@@ -11168,21 +11050,6 @@
               </a:rPr>
               <a:t>Debatable if it simulates a voter-decision logic</a:t>
             </a:r>
-            <a:endParaRPr lang="en-US" b="1" dirty="0" smtClean="0">
-              <a:solidFill>
-                <a:srgbClr val="2C4E8C"/>
-              </a:solidFill>
-              <a:effectLst>
-                <a:outerShdw blurRad="50800" dist="38100" dir="5400000" algn="t" rotWithShape="0">
-                  <a:schemeClr val="bg2">
-                    <a:lumMod val="50000"/>
-                    <a:alpha val="40000"/>
-                  </a:schemeClr>
-                </a:outerShdw>
-              </a:effectLst>
-              <a:latin typeface="Arial" panose="020B0604020202020204" pitchFamily="34" charset="0"/>
-              <a:cs typeface="Arial" panose="020B0604020202020204" pitchFamily="34" charset="0"/>
-            </a:endParaRPr>
           </a:p>
         </p:txBody>
       </p:sp>
@@ -11557,14 +11424,7 @@
                           <a:latin typeface="+mn-lt"/>
                           <a:cs typeface="Arial" panose="020B0604020202020204" pitchFamily="34" charset="0"/>
                         </a:rPr>
-                        <a:t>.</a:t>
-                      </a:r>
-                      <a:r>
-                        <a:rPr lang="en-US" sz="1800" dirty="0" smtClean="0">
-                          <a:latin typeface="+mn-lt"/>
-                          <a:cs typeface="Arial" panose="020B0604020202020204" pitchFamily="34" charset="0"/>
-                        </a:rPr>
-                        <a:t>8558</a:t>
+                        <a:t>.8558</a:t>
                       </a:r>
                       <a:endParaRPr lang="en-US" sz="1800" dirty="0">
                         <a:latin typeface="+mn-lt"/>
@@ -12287,14 +12147,7 @@
                           <a:latin typeface="+mn-lt"/>
                           <a:cs typeface="Arial" panose="020B0604020202020204" pitchFamily="34" charset="0"/>
                         </a:rPr>
-                        <a:t>.</a:t>
-                      </a:r>
-                      <a:r>
-                        <a:rPr lang="en-US" sz="1800" dirty="0" smtClean="0">
-                          <a:latin typeface="+mn-lt"/>
-                          <a:cs typeface="Arial" panose="020B0604020202020204" pitchFamily="34" charset="0"/>
-                        </a:rPr>
-                        <a:t>8417</a:t>
+                        <a:t>.8417</a:t>
                       </a:r>
                       <a:endParaRPr lang="en-US" sz="1800" dirty="0">
                         <a:latin typeface="+mn-lt"/>
@@ -14166,13 +14019,7 @@
                         <a:rPr lang="en-US" sz="1800" dirty="0" smtClean="0">
                           <a:latin typeface="+mn-lt"/>
                         </a:rPr>
-                        <a:t>Logistic </a:t>
-                      </a:r>
-                      <a:r>
-                        <a:rPr lang="en-US" sz="1800" dirty="0" smtClean="0">
-                          <a:latin typeface="+mn-lt"/>
-                        </a:rPr>
-                        <a:t>Regression</a:t>
+                        <a:t>Logistic Regression</a:t>
                       </a:r>
                       <a:endParaRPr lang="en-US" sz="1800" dirty="0" smtClean="0">
                         <a:latin typeface="+mn-lt"/>
@@ -14912,25 +14759,7 @@
                 <a:latin typeface="Arial" panose="020B0604020202020204" pitchFamily="34" charset="0"/>
                 <a:cs typeface="Arial" panose="020B0604020202020204" pitchFamily="34" charset="0"/>
               </a:rPr>
-              <a:t>Cannot resist the pun of using a Voting </a:t>
-            </a:r>
-            <a:r>
-              <a:rPr lang="en-US" b="1" dirty="0" smtClean="0">
-                <a:solidFill>
-                  <a:srgbClr val="2C4E8C"/>
-                </a:solidFill>
-                <a:effectLst>
-                  <a:outerShdw blurRad="50800" dist="38100" dir="5400000" algn="t" rotWithShape="0">
-                    <a:schemeClr val="bg2">
-                      <a:lumMod val="50000"/>
-                      <a:alpha val="40000"/>
-                    </a:schemeClr>
-                  </a:outerShdw>
-                </a:effectLst>
-                <a:latin typeface="Arial" panose="020B0604020202020204" pitchFamily="34" charset="0"/>
-                <a:cs typeface="Arial" panose="020B0604020202020204" pitchFamily="34" charset="0"/>
-              </a:rPr>
-              <a:t>Classifier. </a:t>
+              <a:t>Cannot resist the pun of using a Voting Classifier. </a:t>
             </a:r>
           </a:p>
           <a:p>
@@ -14975,21 +14804,6 @@
               </a:rPr>
               <a:t>Dropped the models with questionable logic</a:t>
             </a:r>
-            <a:endParaRPr lang="en-US" b="1" dirty="0" smtClean="0">
-              <a:solidFill>
-                <a:srgbClr val="2C4E8C"/>
-              </a:solidFill>
-              <a:effectLst>
-                <a:outerShdw blurRad="50800" dist="38100" dir="5400000" algn="t" rotWithShape="0">
-                  <a:schemeClr val="bg2">
-                    <a:lumMod val="50000"/>
-                    <a:alpha val="40000"/>
-                  </a:schemeClr>
-                </a:outerShdw>
-              </a:effectLst>
-              <a:latin typeface="Arial" panose="020B0604020202020204" pitchFamily="34" charset="0"/>
-              <a:cs typeface="Arial" panose="020B0604020202020204" pitchFamily="34" charset="0"/>
-            </a:endParaRPr>
           </a:p>
         </p:txBody>
       </p:sp>
@@ -15849,18 +15663,6 @@
               </a:rPr>
               <a:t>States</a:t>
             </a:r>
-            <a:endParaRPr lang="en-US" sz="1800" b="1" u="sng" dirty="0" smtClean="0">
-              <a:effectLst>
-                <a:outerShdw blurRad="50800" dist="38100" dir="5400000" algn="t" rotWithShape="0">
-                  <a:schemeClr val="bg2">
-                    <a:lumMod val="50000"/>
-                    <a:alpha val="40000"/>
-                  </a:schemeClr>
-                </a:outerShdw>
-              </a:effectLst>
-              <a:latin typeface="Arial" panose="020B0604020202020204" pitchFamily="34" charset="0"/>
-              <a:cs typeface="Arial" panose="020B0604020202020204" pitchFamily="34" charset="0"/>
-            </a:endParaRPr>
           </a:p>
           <a:p>
             <a:pPr marL="0" indent="0">
@@ -18286,8 +18088,11 @@
                 <a:latin typeface="Arial" panose="020B0604020202020204" pitchFamily="34" charset="0"/>
                 <a:cs typeface="Arial" panose="020B0604020202020204" pitchFamily="34" charset="0"/>
               </a:rPr>
-              <a:t>Incorporate more economic </a:t>
-            </a:r>
+              <a:t>Incorporate more economic data, campaign finance data</a:t>
+            </a:r>
+          </a:p>
+          <a:p>
+            <a:pPr algn="just"/>
             <a:r>
               <a:rPr lang="en-US" sz="2000" b="1" dirty="0" smtClean="0">
                 <a:solidFill>
@@ -18304,23 +18109,8 @@
                 <a:latin typeface="Arial" panose="020B0604020202020204" pitchFamily="34" charset="0"/>
                 <a:cs typeface="Arial" panose="020B0604020202020204" pitchFamily="34" charset="0"/>
               </a:rPr>
-              <a:t>data, campaign finance data</a:t>
-            </a:r>
-            <a:endParaRPr lang="en-US" sz="2000" b="1" dirty="0" smtClean="0">
-              <a:solidFill>
-                <a:srgbClr val="2C4E8C"/>
-              </a:solidFill>
-              <a:effectLst>
-                <a:outerShdw blurRad="50800" dist="38100" dir="5400000" algn="t" rotWithShape="0">
-                  <a:schemeClr val="bg2">
-                    <a:lumMod val="50000"/>
-                    <a:alpha val="40000"/>
-                  </a:schemeClr>
-                </a:outerShdw>
-              </a:effectLst>
-              <a:latin typeface="Arial" panose="020B0604020202020204" pitchFamily="34" charset="0"/>
-              <a:cs typeface="Arial" panose="020B0604020202020204" pitchFamily="34" charset="0"/>
-            </a:endParaRPr>
+              <a:t>Area Under Curve Metric</a:t>
+            </a:r>
           </a:p>
           <a:p>
             <a:pPr algn="just"/>
@@ -18340,12 +18130,30 @@
                 <a:latin typeface="Arial" panose="020B0604020202020204" pitchFamily="34" charset="0"/>
                 <a:cs typeface="Arial" panose="020B0604020202020204" pitchFamily="34" charset="0"/>
               </a:rPr>
-              <a:t>Area Under Curve Metric</a:t>
+              <a:t>What races are being predicted incorrectly?</a:t>
             </a:r>
           </a:p>
           <a:p>
             <a:pPr algn="just"/>
             <a:r>
+              <a:rPr lang="en-US" sz="2000" b="1" dirty="0" err="1" smtClean="0">
+                <a:solidFill>
+                  <a:srgbClr val="2C4E8C"/>
+                </a:solidFill>
+                <a:effectLst>
+                  <a:outerShdw blurRad="50800" dist="38100" dir="5400000" algn="t" rotWithShape="0">
+                    <a:schemeClr val="bg2">
+                      <a:lumMod val="50000"/>
+                      <a:alpha val="40000"/>
+                    </a:schemeClr>
+                  </a:outerShdw>
+                </a:effectLst>
+                <a:latin typeface="Arial" panose="020B0604020202020204" pitchFamily="34" charset="0"/>
+                <a:cs typeface="Arial" panose="020B0604020202020204" pitchFamily="34" charset="0"/>
+              </a:rPr>
+              <a:t>Kneighbors</a:t>
+            </a:r>
+            <a:r>
               <a:rPr lang="en-US" sz="2000" b="1" dirty="0" smtClean="0">
                 <a:solidFill>
                   <a:srgbClr val="2C4E8C"/>
@@ -18361,13 +18169,13 @@
                 <a:latin typeface="Arial" panose="020B0604020202020204" pitchFamily="34" charset="0"/>
                 <a:cs typeface="Arial" panose="020B0604020202020204" pitchFamily="34" charset="0"/>
               </a:rPr>
-              <a:t>What races are being predicted incorrectly?</a:t>
+              <a:t> Distance Models with Weight Function</a:t>
             </a:r>
           </a:p>
           <a:p>
             <a:pPr algn="just"/>
             <a:r>
-              <a:rPr lang="en-US" sz="2000" b="1" dirty="0" err="1" smtClean="0">
+              <a:rPr lang="en-US" sz="2000" b="1" dirty="0" smtClean="0">
                 <a:solidFill>
                   <a:srgbClr val="2C4E8C"/>
                 </a:solidFill>
@@ -18382,62 +18190,8 @@
                 <a:latin typeface="Arial" panose="020B0604020202020204" pitchFamily="34" charset="0"/>
                 <a:cs typeface="Arial" panose="020B0604020202020204" pitchFamily="34" charset="0"/>
               </a:rPr>
-              <a:t>Kneighbors</a:t>
-            </a:r>
-            <a:r>
-              <a:rPr lang="en-US" sz="2000" b="1" dirty="0" smtClean="0">
-                <a:solidFill>
-                  <a:srgbClr val="2C4E8C"/>
-                </a:solidFill>
-                <a:effectLst>
-                  <a:outerShdw blurRad="50800" dist="38100" dir="5400000" algn="t" rotWithShape="0">
-                    <a:schemeClr val="bg2">
-                      <a:lumMod val="50000"/>
-                      <a:alpha val="40000"/>
-                    </a:schemeClr>
-                  </a:outerShdw>
-                </a:effectLst>
-                <a:latin typeface="Arial" panose="020B0604020202020204" pitchFamily="34" charset="0"/>
-                <a:cs typeface="Arial" panose="020B0604020202020204" pitchFamily="34" charset="0"/>
-              </a:rPr>
-              <a:t> Distance Models with Weight Function</a:t>
-            </a:r>
-          </a:p>
-          <a:p>
-            <a:pPr algn="just"/>
-            <a:r>
-              <a:rPr lang="en-US" sz="2000" b="1" dirty="0" smtClean="0">
-                <a:solidFill>
-                  <a:srgbClr val="2C4E8C"/>
-                </a:solidFill>
-                <a:effectLst>
-                  <a:outerShdw blurRad="50800" dist="38100" dir="5400000" algn="t" rotWithShape="0">
-                    <a:schemeClr val="bg2">
-                      <a:lumMod val="50000"/>
-                      <a:alpha val="40000"/>
-                    </a:schemeClr>
-                  </a:outerShdw>
-                </a:effectLst>
-                <a:latin typeface="Arial" panose="020B0604020202020204" pitchFamily="34" charset="0"/>
-                <a:cs typeface="Arial" panose="020B0604020202020204" pitchFamily="34" charset="0"/>
-              </a:rPr>
               <a:t>Deep dive into a single state (incorporate polling data)</a:t>
             </a:r>
-            <a:endParaRPr lang="en-US" sz="2000" b="1" dirty="0" smtClean="0">
-              <a:solidFill>
-                <a:srgbClr val="2C4E8C"/>
-              </a:solidFill>
-              <a:effectLst>
-                <a:outerShdw blurRad="50800" dist="38100" dir="5400000" algn="t" rotWithShape="0">
-                  <a:schemeClr val="bg2">
-                    <a:lumMod val="50000"/>
-                    <a:alpha val="40000"/>
-                  </a:schemeClr>
-                </a:outerShdw>
-              </a:effectLst>
-              <a:latin typeface="Arial" panose="020B0604020202020204" pitchFamily="34" charset="0"/>
-              <a:cs typeface="Arial" panose="020B0604020202020204" pitchFamily="34" charset="0"/>
-            </a:endParaRPr>
           </a:p>
           <a:p>
             <a:pPr algn="just"/>
@@ -18498,8 +18252,11 @@
                 <a:latin typeface="Arial" panose="020B0604020202020204" pitchFamily="34" charset="0"/>
                 <a:cs typeface="Arial" panose="020B0604020202020204" pitchFamily="34" charset="0"/>
               </a:rPr>
-              <a:t>Background Data and </a:t>
-            </a:r>
+              <a:t>Background Data and Results Visualization (interactive?!)</a:t>
+            </a:r>
+          </a:p>
+          <a:p>
+            <a:pPr algn="just"/>
             <a:r>
               <a:rPr lang="en-US" sz="2000" b="1" dirty="0" smtClean="0">
                 <a:solidFill>
@@ -18516,59 +18273,8 @@
                 <a:latin typeface="Arial" panose="020B0604020202020204" pitchFamily="34" charset="0"/>
                 <a:cs typeface="Arial" panose="020B0604020202020204" pitchFamily="34" charset="0"/>
               </a:rPr>
-              <a:t>Results Visualization (interactive?!)</a:t>
-            </a:r>
-            <a:endParaRPr lang="en-US" sz="2000" b="1" dirty="0" smtClean="0">
-              <a:solidFill>
-                <a:srgbClr val="2C4E8C"/>
-              </a:solidFill>
-              <a:effectLst>
-                <a:outerShdw blurRad="50800" dist="38100" dir="5400000" algn="t" rotWithShape="0">
-                  <a:schemeClr val="bg2">
-                    <a:lumMod val="50000"/>
-                    <a:alpha val="40000"/>
-                  </a:schemeClr>
-                </a:outerShdw>
-              </a:effectLst>
-              <a:latin typeface="Arial" panose="020B0604020202020204" pitchFamily="34" charset="0"/>
-              <a:cs typeface="Arial" panose="020B0604020202020204" pitchFamily="34" charset="0"/>
-            </a:endParaRPr>
-          </a:p>
-          <a:p>
-            <a:pPr algn="just"/>
-            <a:r>
-              <a:rPr lang="en-US" sz="2000" b="1" dirty="0" smtClean="0">
-                <a:solidFill>
-                  <a:srgbClr val="2C4E8C"/>
-                </a:solidFill>
-                <a:effectLst>
-                  <a:outerShdw blurRad="50800" dist="38100" dir="5400000" algn="t" rotWithShape="0">
-                    <a:schemeClr val="bg2">
-                      <a:lumMod val="50000"/>
-                      <a:alpha val="40000"/>
-                    </a:schemeClr>
-                  </a:outerShdw>
-                </a:effectLst>
-                <a:latin typeface="Arial" panose="020B0604020202020204" pitchFamily="34" charset="0"/>
-                <a:cs typeface="Arial" panose="020B0604020202020204" pitchFamily="34" charset="0"/>
-              </a:rPr>
               <a:t>Own Visualizations on the Model</a:t>
             </a:r>
-            <a:endParaRPr lang="en-US" sz="2000" b="1" dirty="0" smtClean="0">
-              <a:solidFill>
-                <a:srgbClr val="2C4E8C"/>
-              </a:solidFill>
-              <a:effectLst>
-                <a:outerShdw blurRad="50800" dist="38100" dir="5400000" algn="t" rotWithShape="0">
-                  <a:schemeClr val="bg2">
-                    <a:lumMod val="50000"/>
-                    <a:alpha val="40000"/>
-                  </a:schemeClr>
-                </a:outerShdw>
-              </a:effectLst>
-              <a:latin typeface="Arial" panose="020B0604020202020204" pitchFamily="34" charset="0"/>
-              <a:cs typeface="Arial" panose="020B0604020202020204" pitchFamily="34" charset="0"/>
-            </a:endParaRPr>
           </a:p>
           <a:p>
             <a:pPr algn="just"/>
@@ -19049,25 +18755,7 @@
                 <a:latin typeface="Arial" panose="020B0604020202020204" pitchFamily="34" charset="0"/>
                 <a:cs typeface="Arial" panose="020B0604020202020204" pitchFamily="34" charset="0"/>
               </a:rPr>
-              <a:t>I limited my scope to the U.S. Senate elections, but plan to build a house and gubernatorial model as well</a:t>
-            </a:r>
-            <a:r>
-              <a:rPr lang="en-US" sz="3200" b="1" dirty="0" smtClean="0">
-                <a:solidFill>
-                  <a:srgbClr val="2C4E8C"/>
-                </a:solidFill>
-                <a:effectLst>
-                  <a:outerShdw blurRad="50800" dist="38100" dir="5400000" algn="t" rotWithShape="0">
-                    <a:schemeClr val="bg2">
-                      <a:lumMod val="50000"/>
-                      <a:alpha val="40000"/>
-                    </a:schemeClr>
-                  </a:outerShdw>
-                </a:effectLst>
-                <a:latin typeface="Arial" panose="020B0604020202020204" pitchFamily="34" charset="0"/>
-                <a:cs typeface="Arial" panose="020B0604020202020204" pitchFamily="34" charset="0"/>
-              </a:rPr>
-              <a:t>.</a:t>
+              <a:t>I limited my scope to the U.S. Senate elections, but plan to build a house and gubernatorial model as well.</a:t>
             </a:r>
           </a:p>
           <a:p>
@@ -19148,21 +18836,6 @@
               </a:rPr>
               <a:t> perspective, not strategy.</a:t>
             </a:r>
-            <a:endParaRPr lang="en-US" sz="3200" b="1" dirty="0" smtClean="0">
-              <a:solidFill>
-                <a:srgbClr val="2C4E8C"/>
-              </a:solidFill>
-              <a:effectLst>
-                <a:outerShdw blurRad="50800" dist="38100" dir="5400000" algn="t" rotWithShape="0">
-                  <a:schemeClr val="bg2">
-                    <a:lumMod val="50000"/>
-                    <a:alpha val="40000"/>
-                  </a:schemeClr>
-                </a:outerShdw>
-              </a:effectLst>
-              <a:latin typeface="Arial" panose="020B0604020202020204" pitchFamily="34" charset="0"/>
-              <a:cs typeface="Arial" panose="020B0604020202020204" pitchFamily="34" charset="0"/>
-            </a:endParaRPr>
           </a:p>
           <a:p>
             <a:pPr marL="0" indent="0">
